--- a/PaulCharles_Project4/ReportPresentation.pptx
+++ b/PaulCharles_Project4/ReportPresentation.pptx
@@ -14,6 +14,7 @@
     <p:sldId id="257" r:id="rId8"/>
     <p:sldId id="259" r:id="rId9"/>
     <p:sldId id="262" r:id="rId10"/>
+    <p:sldId id="267" r:id="rId11"/>
   </p:sldIdLst>
   <p:sldSz cx="12192000" cy="6858000"/>
   <p:notesSz cx="6858000" cy="9144000"/>
@@ -170,7 +171,7 @@
           <a:noFill/>
           <a:extLst>
             <a:ext uri="{909E8E84-426E-40dd-AFC4-6F175D3DCCD1}">
-              <a14:hiddenFill xmlns:a14="http://schemas.microsoft.com/office/drawing/2010/main" xmlns="">
+              <a14:hiddenFill xmlns="" xmlns:a14="http://schemas.microsoft.com/office/drawing/2010/main">
                 <a:solidFill>
                   <a:srgbClr val="FFFFFF"/>
                 </a:solidFill>
@@ -230,7 +231,7 @@
             </a:ln>
             <a:extLst>
               <a:ext uri="{91240B29-F687-4f45-9708-019B960494DF}">
-                <a14:hiddenLine xmlns:a14="http://schemas.microsoft.com/office/drawing/2010/main" xmlns="" w="9525">
+                <a14:hiddenLine xmlns="" xmlns:a14="http://schemas.microsoft.com/office/drawing/2010/main" w="9525">
                   <a:solidFill>
                     <a:srgbClr val="000000"/>
                   </a:solidFill>
@@ -320,7 +321,7 @@
             </a:ln>
             <a:extLst>
               <a:ext uri="{91240B29-F687-4f45-9708-019B960494DF}">
-                <a14:hiddenLine xmlns:a14="http://schemas.microsoft.com/office/drawing/2010/main" xmlns="" w="9525">
+                <a14:hiddenLine xmlns="" xmlns:a14="http://schemas.microsoft.com/office/drawing/2010/main" w="9525">
                   <a:solidFill>
                     <a:srgbClr val="000000"/>
                   </a:solidFill>
@@ -410,7 +411,7 @@
             </a:ln>
             <a:extLst>
               <a:ext uri="{91240B29-F687-4f45-9708-019B960494DF}">
-                <a14:hiddenLine xmlns:a14="http://schemas.microsoft.com/office/drawing/2010/main" xmlns="" w="9525">
+                <a14:hiddenLine xmlns="" xmlns:a14="http://schemas.microsoft.com/office/drawing/2010/main" w="9525">
                   <a:solidFill>
                     <a:srgbClr val="000000"/>
                   </a:solidFill>
@@ -444,7 +445,7 @@
             </a:ln>
             <a:extLst>
               <a:ext uri="{91240B29-F687-4f45-9708-019B960494DF}">
-                <a14:hiddenLine xmlns:a14="http://schemas.microsoft.com/office/drawing/2010/main" xmlns="" w="9525">
+                <a14:hiddenLine xmlns="" xmlns:a14="http://schemas.microsoft.com/office/drawing/2010/main" w="9525">
                   <a:solidFill>
                     <a:srgbClr val="000000"/>
                   </a:solidFill>
@@ -534,7 +535,7 @@
             </a:ln>
             <a:extLst>
               <a:ext uri="{91240B29-F687-4f45-9708-019B960494DF}">
-                <a14:hiddenLine xmlns:a14="http://schemas.microsoft.com/office/drawing/2010/main" xmlns="" w="9525">
+                <a14:hiddenLine xmlns="" xmlns:a14="http://schemas.microsoft.com/office/drawing/2010/main" w="9525">
                   <a:solidFill>
                     <a:srgbClr val="000000"/>
                   </a:solidFill>
@@ -596,7 +597,7 @@
             </a:ln>
             <a:extLst>
               <a:ext uri="{91240B29-F687-4f45-9708-019B960494DF}">
-                <a14:hiddenLine xmlns:a14="http://schemas.microsoft.com/office/drawing/2010/main" xmlns="" w="9525">
+                <a14:hiddenLine xmlns="" xmlns:a14="http://schemas.microsoft.com/office/drawing/2010/main" w="9525">
                   <a:solidFill>
                     <a:srgbClr val="000000"/>
                   </a:solidFill>
@@ -658,7 +659,7 @@
             </a:ln>
             <a:extLst>
               <a:ext uri="{91240B29-F687-4f45-9708-019B960494DF}">
-                <a14:hiddenLine xmlns:a14="http://schemas.microsoft.com/office/drawing/2010/main" xmlns="" w="9525">
+                <a14:hiddenLine xmlns="" xmlns:a14="http://schemas.microsoft.com/office/drawing/2010/main" w="9525">
                   <a:solidFill>
                     <a:srgbClr val="000000"/>
                   </a:solidFill>
@@ -748,7 +749,7 @@
             </a:ln>
             <a:extLst>
               <a:ext uri="{91240B29-F687-4f45-9708-019B960494DF}">
-                <a14:hiddenLine xmlns:a14="http://schemas.microsoft.com/office/drawing/2010/main" xmlns="" w="9525">
+                <a14:hiddenLine xmlns="" xmlns:a14="http://schemas.microsoft.com/office/drawing/2010/main" w="9525">
                   <a:solidFill>
                     <a:srgbClr val="000000"/>
                   </a:solidFill>
@@ -810,7 +811,7 @@
             </a:ln>
             <a:extLst>
               <a:ext uri="{91240B29-F687-4f45-9708-019B960494DF}">
-                <a14:hiddenLine xmlns:a14="http://schemas.microsoft.com/office/drawing/2010/main" xmlns="" w="9525">
+                <a14:hiddenLine xmlns="" xmlns:a14="http://schemas.microsoft.com/office/drawing/2010/main" w="9525">
                   <a:solidFill>
                     <a:srgbClr val="000000"/>
                   </a:solidFill>
@@ -872,7 +873,7 @@
             </a:ln>
             <a:extLst>
               <a:ext uri="{91240B29-F687-4f45-9708-019B960494DF}">
-                <a14:hiddenLine xmlns:a14="http://schemas.microsoft.com/office/drawing/2010/main" xmlns="" w="9525">
+                <a14:hiddenLine xmlns="" xmlns:a14="http://schemas.microsoft.com/office/drawing/2010/main" w="9525">
                   <a:solidFill>
                     <a:srgbClr val="000000"/>
                   </a:solidFill>
@@ -962,7 +963,7 @@
             </a:ln>
             <a:extLst>
               <a:ext uri="{91240B29-F687-4f45-9708-019B960494DF}">
-                <a14:hiddenLine xmlns:a14="http://schemas.microsoft.com/office/drawing/2010/main" xmlns="" w="9525">
+                <a14:hiddenLine xmlns="" xmlns:a14="http://schemas.microsoft.com/office/drawing/2010/main" w="9525">
                   <a:solidFill>
                     <a:srgbClr val="000000"/>
                   </a:solidFill>
@@ -1052,7 +1053,7 @@
             </a:ln>
             <a:extLst>
               <a:ext uri="{91240B29-F687-4f45-9708-019B960494DF}">
-                <a14:hiddenLine xmlns:a14="http://schemas.microsoft.com/office/drawing/2010/main" xmlns="" w="9525">
+                <a14:hiddenLine xmlns="" xmlns:a14="http://schemas.microsoft.com/office/drawing/2010/main" w="9525">
                   <a:solidFill>
                     <a:srgbClr val="000000"/>
                   </a:solidFill>
@@ -1114,7 +1115,7 @@
             </a:ln>
             <a:extLst>
               <a:ext uri="{91240B29-F687-4f45-9708-019B960494DF}">
-                <a14:hiddenLine xmlns:a14="http://schemas.microsoft.com/office/drawing/2010/main" xmlns="" w="9525">
+                <a14:hiddenLine xmlns="" xmlns:a14="http://schemas.microsoft.com/office/drawing/2010/main" w="9525">
                   <a:solidFill>
                     <a:srgbClr val="000000"/>
                   </a:solidFill>
@@ -1224,7 +1225,7 @@
             </a:ln>
             <a:extLst>
               <a:ext uri="{91240B29-F687-4f45-9708-019B960494DF}">
-                <a14:hiddenLine xmlns:a14="http://schemas.microsoft.com/office/drawing/2010/main" xmlns="" w="9525">
+                <a14:hiddenLine xmlns="" xmlns:a14="http://schemas.microsoft.com/office/drawing/2010/main" w="9525">
                   <a:solidFill>
                     <a:srgbClr val="000000"/>
                   </a:solidFill>
@@ -1286,7 +1287,7 @@
             </a:ln>
             <a:extLst>
               <a:ext uri="{91240B29-F687-4f45-9708-019B960494DF}">
-                <a14:hiddenLine xmlns:a14="http://schemas.microsoft.com/office/drawing/2010/main" xmlns="" w="9525">
+                <a14:hiddenLine xmlns="" xmlns:a14="http://schemas.microsoft.com/office/drawing/2010/main" w="9525">
                   <a:solidFill>
                     <a:srgbClr val="000000"/>
                   </a:solidFill>
@@ -1376,7 +1377,7 @@
             </a:ln>
             <a:extLst>
               <a:ext uri="{91240B29-F687-4f45-9708-019B960494DF}">
-                <a14:hiddenLine xmlns:a14="http://schemas.microsoft.com/office/drawing/2010/main" xmlns="" w="9525">
+                <a14:hiddenLine xmlns="" xmlns:a14="http://schemas.microsoft.com/office/drawing/2010/main" w="9525">
                   <a:solidFill>
                     <a:srgbClr val="000000"/>
                   </a:solidFill>
@@ -1466,7 +1467,7 @@
             </a:ln>
             <a:extLst>
               <a:ext uri="{91240B29-F687-4f45-9708-019B960494DF}">
-                <a14:hiddenLine xmlns:a14="http://schemas.microsoft.com/office/drawing/2010/main" xmlns="" w="9525">
+                <a14:hiddenLine xmlns="" xmlns:a14="http://schemas.microsoft.com/office/drawing/2010/main" w="9525">
                   <a:solidFill>
                     <a:srgbClr val="000000"/>
                   </a:solidFill>
@@ -1528,7 +1529,7 @@
             </a:ln>
             <a:extLst>
               <a:ext uri="{91240B29-F687-4f45-9708-019B960494DF}">
-                <a14:hiddenLine xmlns:a14="http://schemas.microsoft.com/office/drawing/2010/main" xmlns="" w="9525">
+                <a14:hiddenLine xmlns="" xmlns:a14="http://schemas.microsoft.com/office/drawing/2010/main" w="9525">
                   <a:solidFill>
                     <a:srgbClr val="000000"/>
                   </a:solidFill>
@@ -1618,7 +1619,7 @@
             </a:ln>
             <a:extLst>
               <a:ext uri="{91240B29-F687-4f45-9708-019B960494DF}">
-                <a14:hiddenLine xmlns:a14="http://schemas.microsoft.com/office/drawing/2010/main" xmlns="" w="9525">
+                <a14:hiddenLine xmlns="" xmlns:a14="http://schemas.microsoft.com/office/drawing/2010/main" w="9525">
                   <a:solidFill>
                     <a:srgbClr val="000000"/>
                   </a:solidFill>
@@ -1708,7 +1709,7 @@
             </a:ln>
             <a:extLst>
               <a:ext uri="{91240B29-F687-4f45-9708-019B960494DF}">
-                <a14:hiddenLine xmlns:a14="http://schemas.microsoft.com/office/drawing/2010/main" xmlns="" w="9525">
+                <a14:hiddenLine xmlns="" xmlns:a14="http://schemas.microsoft.com/office/drawing/2010/main" w="9525">
                   <a:solidFill>
                     <a:srgbClr val="000000"/>
                   </a:solidFill>
@@ -1764,7 +1765,7 @@
             </a:ln>
             <a:extLst>
               <a:ext uri="{91240B29-F687-4f45-9708-019B960494DF}">
-                <a14:hiddenLine xmlns:a14="http://schemas.microsoft.com/office/drawing/2010/main" xmlns="" w="9525">
+                <a14:hiddenLine xmlns="" xmlns:a14="http://schemas.microsoft.com/office/drawing/2010/main" w="9525">
                   <a:solidFill>
                     <a:srgbClr val="000000"/>
                   </a:solidFill>
@@ -1854,7 +1855,7 @@
             </a:ln>
             <a:extLst>
               <a:ext uri="{91240B29-F687-4f45-9708-019B960494DF}">
-                <a14:hiddenLine xmlns:a14="http://schemas.microsoft.com/office/drawing/2010/main" xmlns="" w="9525">
+                <a14:hiddenLine xmlns="" xmlns:a14="http://schemas.microsoft.com/office/drawing/2010/main" w="9525">
                   <a:solidFill>
                     <a:srgbClr val="000000"/>
                   </a:solidFill>
@@ -1910,7 +1911,7 @@
             </a:ln>
             <a:extLst>
               <a:ext uri="{91240B29-F687-4f45-9708-019B960494DF}">
-                <a14:hiddenLine xmlns:a14="http://schemas.microsoft.com/office/drawing/2010/main" xmlns="" w="9525">
+                <a14:hiddenLine xmlns="" xmlns:a14="http://schemas.microsoft.com/office/drawing/2010/main" w="9525">
                   <a:solidFill>
                     <a:srgbClr val="000000"/>
                   </a:solidFill>
@@ -2000,7 +2001,7 @@
             </a:ln>
             <a:extLst>
               <a:ext uri="{91240B29-F687-4f45-9708-019B960494DF}">
-                <a14:hiddenLine xmlns:a14="http://schemas.microsoft.com/office/drawing/2010/main" xmlns="" w="9525">
+                <a14:hiddenLine xmlns="" xmlns:a14="http://schemas.microsoft.com/office/drawing/2010/main" w="9525">
                   <a:solidFill>
                     <a:srgbClr val="000000"/>
                   </a:solidFill>
@@ -2068,7 +2069,7 @@
             </a:ln>
             <a:extLst>
               <a:ext uri="{91240B29-F687-4f45-9708-019B960494DF}">
-                <a14:hiddenLine xmlns:a14="http://schemas.microsoft.com/office/drawing/2010/main" xmlns="" w="9525">
+                <a14:hiddenLine xmlns="" xmlns:a14="http://schemas.microsoft.com/office/drawing/2010/main" w="9525">
                   <a:solidFill>
                     <a:srgbClr val="000000"/>
                   </a:solidFill>
@@ -2158,7 +2159,7 @@
             </a:ln>
             <a:extLst>
               <a:ext uri="{91240B29-F687-4f45-9708-019B960494DF}">
-                <a14:hiddenLine xmlns:a14="http://schemas.microsoft.com/office/drawing/2010/main" xmlns="" w="9525">
+                <a14:hiddenLine xmlns="" xmlns:a14="http://schemas.microsoft.com/office/drawing/2010/main" w="9525">
                   <a:solidFill>
                     <a:srgbClr val="000000"/>
                   </a:solidFill>
@@ -2226,7 +2227,7 @@
             </a:ln>
             <a:extLst>
               <a:ext uri="{91240B29-F687-4f45-9708-019B960494DF}">
-                <a14:hiddenLine xmlns:a14="http://schemas.microsoft.com/office/drawing/2010/main" xmlns="" w="9525">
+                <a14:hiddenLine xmlns="" xmlns:a14="http://schemas.microsoft.com/office/drawing/2010/main" w="9525">
                   <a:solidFill>
                     <a:srgbClr val="000000"/>
                   </a:solidFill>
@@ -2316,7 +2317,7 @@
             </a:ln>
             <a:extLst>
               <a:ext uri="{91240B29-F687-4f45-9708-019B960494DF}">
-                <a14:hiddenLine xmlns:a14="http://schemas.microsoft.com/office/drawing/2010/main" xmlns="" w="9525">
+                <a14:hiddenLine xmlns="" xmlns:a14="http://schemas.microsoft.com/office/drawing/2010/main" w="9525">
                   <a:solidFill>
                     <a:srgbClr val="000000"/>
                   </a:solidFill>
@@ -2350,7 +2351,7 @@
             </a:ln>
             <a:extLst>
               <a:ext uri="{91240B29-F687-4f45-9708-019B960494DF}">
-                <a14:hiddenLine xmlns:a14="http://schemas.microsoft.com/office/drawing/2010/main" xmlns="" w="9525">
+                <a14:hiddenLine xmlns="" xmlns:a14="http://schemas.microsoft.com/office/drawing/2010/main" w="9525">
                   <a:solidFill>
                     <a:srgbClr val="000000"/>
                   </a:solidFill>
@@ -2440,7 +2441,7 @@
             </a:ln>
             <a:extLst>
               <a:ext uri="{91240B29-F687-4f45-9708-019B960494DF}">
-                <a14:hiddenLine xmlns:a14="http://schemas.microsoft.com/office/drawing/2010/main" xmlns="" w="9525">
+                <a14:hiddenLine xmlns="" xmlns:a14="http://schemas.microsoft.com/office/drawing/2010/main" w="9525">
                   <a:solidFill>
                     <a:srgbClr val="000000"/>
                   </a:solidFill>
@@ -2502,7 +2503,7 @@
             </a:ln>
             <a:extLst>
               <a:ext uri="{91240B29-F687-4f45-9708-019B960494DF}">
-                <a14:hiddenLine xmlns:a14="http://schemas.microsoft.com/office/drawing/2010/main" xmlns="" w="9525">
+                <a14:hiddenLine xmlns="" xmlns:a14="http://schemas.microsoft.com/office/drawing/2010/main" w="9525">
                   <a:solidFill>
                     <a:srgbClr val="000000"/>
                   </a:solidFill>
@@ -2564,7 +2565,7 @@
             </a:ln>
             <a:extLst>
               <a:ext uri="{91240B29-F687-4f45-9708-019B960494DF}">
-                <a14:hiddenLine xmlns:a14="http://schemas.microsoft.com/office/drawing/2010/main" xmlns="" w="9525">
+                <a14:hiddenLine xmlns="" xmlns:a14="http://schemas.microsoft.com/office/drawing/2010/main" w="9525">
                   <a:solidFill>
                     <a:srgbClr val="000000"/>
                   </a:solidFill>
@@ -2654,7 +2655,7 @@
             </a:ln>
             <a:extLst>
               <a:ext uri="{91240B29-F687-4f45-9708-019B960494DF}">
-                <a14:hiddenLine xmlns:a14="http://schemas.microsoft.com/office/drawing/2010/main" xmlns="" w="9525">
+                <a14:hiddenLine xmlns="" xmlns:a14="http://schemas.microsoft.com/office/drawing/2010/main" w="9525">
                   <a:solidFill>
                     <a:srgbClr val="000000"/>
                   </a:solidFill>
@@ -2722,7 +2723,7 @@
             </a:ln>
             <a:extLst>
               <a:ext uri="{91240B29-F687-4f45-9708-019B960494DF}">
-                <a14:hiddenLine xmlns:a14="http://schemas.microsoft.com/office/drawing/2010/main" xmlns="" w="9525">
+                <a14:hiddenLine xmlns="" xmlns:a14="http://schemas.microsoft.com/office/drawing/2010/main" w="9525">
                   <a:solidFill>
                     <a:srgbClr val="000000"/>
                   </a:solidFill>
@@ -2784,7 +2785,7 @@
             </a:ln>
             <a:extLst>
               <a:ext uri="{91240B29-F687-4f45-9708-019B960494DF}">
-                <a14:hiddenLine xmlns:a14="http://schemas.microsoft.com/office/drawing/2010/main" xmlns="" w="9525">
+                <a14:hiddenLine xmlns="" xmlns:a14="http://schemas.microsoft.com/office/drawing/2010/main" w="9525">
                   <a:solidFill>
                     <a:srgbClr val="000000"/>
                   </a:solidFill>
@@ -2874,7 +2875,7 @@
             </a:ln>
             <a:extLst>
               <a:ext uri="{91240B29-F687-4f45-9708-019B960494DF}">
-                <a14:hiddenLine xmlns:a14="http://schemas.microsoft.com/office/drawing/2010/main" xmlns="" w="9525">
+                <a14:hiddenLine xmlns="" xmlns:a14="http://schemas.microsoft.com/office/drawing/2010/main" w="9525">
                   <a:solidFill>
                     <a:srgbClr val="000000"/>
                   </a:solidFill>
@@ -2936,7 +2937,7 @@
             </a:ln>
             <a:extLst>
               <a:ext uri="{91240B29-F687-4f45-9708-019B960494DF}">
-                <a14:hiddenLine xmlns:a14="http://schemas.microsoft.com/office/drawing/2010/main" xmlns="" w="9525">
+                <a14:hiddenLine xmlns="" xmlns:a14="http://schemas.microsoft.com/office/drawing/2010/main" w="9525">
                   <a:solidFill>
                     <a:srgbClr val="000000"/>
                   </a:solidFill>
@@ -3026,7 +3027,7 @@
             </a:ln>
             <a:extLst>
               <a:ext uri="{91240B29-F687-4f45-9708-019B960494DF}">
-                <a14:hiddenLine xmlns:a14="http://schemas.microsoft.com/office/drawing/2010/main" xmlns="" w="9525">
+                <a14:hiddenLine xmlns="" xmlns:a14="http://schemas.microsoft.com/office/drawing/2010/main" w="9525">
                   <a:solidFill>
                     <a:srgbClr val="000000"/>
                   </a:solidFill>
@@ -3088,7 +3089,7 @@
             </a:ln>
             <a:extLst>
               <a:ext uri="{91240B29-F687-4f45-9708-019B960494DF}">
-                <a14:hiddenLine xmlns:a14="http://schemas.microsoft.com/office/drawing/2010/main" xmlns="" w="9525">
+                <a14:hiddenLine xmlns="" xmlns:a14="http://schemas.microsoft.com/office/drawing/2010/main" w="9525">
                   <a:solidFill>
                     <a:srgbClr val="000000"/>
                   </a:solidFill>
@@ -3178,7 +3179,7 @@
             </a:ln>
             <a:extLst>
               <a:ext uri="{91240B29-F687-4f45-9708-019B960494DF}">
-                <a14:hiddenLine xmlns:a14="http://schemas.microsoft.com/office/drawing/2010/main" xmlns="" w="9525">
+                <a14:hiddenLine xmlns="" xmlns:a14="http://schemas.microsoft.com/office/drawing/2010/main" w="9525">
                   <a:solidFill>
                     <a:srgbClr val="000000"/>
                   </a:solidFill>
@@ -3212,7 +3213,7 @@
             </a:ln>
             <a:extLst>
               <a:ext uri="{91240B29-F687-4f45-9708-019B960494DF}">
-                <a14:hiddenLine xmlns:a14="http://schemas.microsoft.com/office/drawing/2010/main" xmlns="" w="9525">
+                <a14:hiddenLine xmlns="" xmlns:a14="http://schemas.microsoft.com/office/drawing/2010/main" w="9525">
                   <a:solidFill>
                     <a:srgbClr val="000000"/>
                   </a:solidFill>
@@ -3277,7 +3278,7 @@
             </a:ln>
             <a:extLst>
               <a:ext uri="{91240B29-F687-4f45-9708-019B960494DF}">
-                <a14:hiddenLine xmlns:a14="http://schemas.microsoft.com/office/drawing/2010/main" xmlns="" w="9525">
+                <a14:hiddenLine xmlns="" xmlns:a14="http://schemas.microsoft.com/office/drawing/2010/main" w="9525">
                   <a:solidFill>
                     <a:srgbClr val="000000"/>
                   </a:solidFill>
@@ -3367,7 +3368,7 @@
             </a:ln>
             <a:extLst>
               <a:ext uri="{91240B29-F687-4f45-9708-019B960494DF}">
-                <a14:hiddenLine xmlns:a14="http://schemas.microsoft.com/office/drawing/2010/main" xmlns="" w="9525">
+                <a14:hiddenLine xmlns="" xmlns:a14="http://schemas.microsoft.com/office/drawing/2010/main" w="9525">
                   <a:solidFill>
                     <a:srgbClr val="000000"/>
                   </a:solidFill>
@@ -3429,7 +3430,7 @@
             </a:ln>
             <a:extLst>
               <a:ext uri="{91240B29-F687-4f45-9708-019B960494DF}">
-                <a14:hiddenLine xmlns:a14="http://schemas.microsoft.com/office/drawing/2010/main" xmlns="" w="9525">
+                <a14:hiddenLine xmlns="" xmlns:a14="http://schemas.microsoft.com/office/drawing/2010/main" w="9525">
                   <a:solidFill>
                     <a:srgbClr val="000000"/>
                   </a:solidFill>
@@ -3519,7 +3520,7 @@
             </a:ln>
             <a:extLst>
               <a:ext uri="{91240B29-F687-4f45-9708-019B960494DF}">
-                <a14:hiddenLine xmlns:a14="http://schemas.microsoft.com/office/drawing/2010/main" xmlns="" w="9525">
+                <a14:hiddenLine xmlns="" xmlns:a14="http://schemas.microsoft.com/office/drawing/2010/main" w="9525">
                   <a:solidFill>
                     <a:srgbClr val="000000"/>
                   </a:solidFill>
@@ -3609,7 +3610,7 @@
             </a:ln>
             <a:extLst>
               <a:ext uri="{91240B29-F687-4f45-9708-019B960494DF}">
-                <a14:hiddenLine xmlns:a14="http://schemas.microsoft.com/office/drawing/2010/main" xmlns="" w="9525">
+                <a14:hiddenLine xmlns="" xmlns:a14="http://schemas.microsoft.com/office/drawing/2010/main" w="9525">
                   <a:solidFill>
                     <a:srgbClr val="000000"/>
                   </a:solidFill>
@@ -3674,7 +3675,7 @@
             </a:ln>
             <a:extLst>
               <a:ext uri="{91240B29-F687-4f45-9708-019B960494DF}">
-                <a14:hiddenLine xmlns:a14="http://schemas.microsoft.com/office/drawing/2010/main" xmlns="" w="9525">
+                <a14:hiddenLine xmlns="" xmlns:a14="http://schemas.microsoft.com/office/drawing/2010/main" w="9525">
                   <a:solidFill>
                     <a:srgbClr val="000000"/>
                   </a:solidFill>
@@ -3736,7 +3737,7 @@
             </a:ln>
             <a:extLst>
               <a:ext uri="{91240B29-F687-4f45-9708-019B960494DF}">
-                <a14:hiddenLine xmlns:a14="http://schemas.microsoft.com/office/drawing/2010/main" xmlns="" w="9525">
+                <a14:hiddenLine xmlns="" xmlns:a14="http://schemas.microsoft.com/office/drawing/2010/main" w="9525">
                   <a:solidFill>
                     <a:srgbClr val="000000"/>
                   </a:solidFill>
@@ -3826,7 +3827,7 @@
             </a:ln>
             <a:extLst>
               <a:ext uri="{91240B29-F687-4f45-9708-019B960494DF}">
-                <a14:hiddenLine xmlns:a14="http://schemas.microsoft.com/office/drawing/2010/main" xmlns="" w="9525">
+                <a14:hiddenLine xmlns="" xmlns:a14="http://schemas.microsoft.com/office/drawing/2010/main" w="9525">
                   <a:solidFill>
                     <a:srgbClr val="000000"/>
                   </a:solidFill>
@@ -3916,7 +3917,7 @@
             </a:ln>
             <a:extLst>
               <a:ext uri="{91240B29-F687-4f45-9708-019B960494DF}">
-                <a14:hiddenLine xmlns:a14="http://schemas.microsoft.com/office/drawing/2010/main" xmlns="" w="9525">
+                <a14:hiddenLine xmlns="" xmlns:a14="http://schemas.microsoft.com/office/drawing/2010/main" w="9525">
                   <a:solidFill>
                     <a:srgbClr val="000000"/>
                   </a:solidFill>
@@ -3978,7 +3979,7 @@
             </a:ln>
             <a:extLst>
               <a:ext uri="{91240B29-F687-4f45-9708-019B960494DF}">
-                <a14:hiddenLine xmlns:a14="http://schemas.microsoft.com/office/drawing/2010/main" xmlns="" w="9525">
+                <a14:hiddenLine xmlns="" xmlns:a14="http://schemas.microsoft.com/office/drawing/2010/main" w="9525">
                   <a:solidFill>
                     <a:srgbClr val="000000"/>
                   </a:solidFill>
@@ -4098,7 +4099,7 @@
             </a:ln>
             <a:extLst>
               <a:ext uri="{91240B29-F687-4f45-9708-019B960494DF}">
-                <a14:hiddenLine xmlns:a14="http://schemas.microsoft.com/office/drawing/2010/main" xmlns="" w="9525">
+                <a14:hiddenLine xmlns="" xmlns:a14="http://schemas.microsoft.com/office/drawing/2010/main" w="9525">
                   <a:solidFill>
                     <a:srgbClr val="000000"/>
                   </a:solidFill>
@@ -4166,7 +4167,7 @@
             </a:ln>
             <a:extLst>
               <a:ext uri="{91240B29-F687-4f45-9708-019B960494DF}">
-                <a14:hiddenLine xmlns:a14="http://schemas.microsoft.com/office/drawing/2010/main" xmlns="" w="9525">
+                <a14:hiddenLine xmlns="" xmlns:a14="http://schemas.microsoft.com/office/drawing/2010/main" w="9525">
                   <a:solidFill>
                     <a:srgbClr val="000000"/>
                   </a:solidFill>
@@ -4256,7 +4257,7 @@
             </a:ln>
             <a:extLst>
               <a:ext uri="{91240B29-F687-4f45-9708-019B960494DF}">
-                <a14:hiddenLine xmlns:a14="http://schemas.microsoft.com/office/drawing/2010/main" xmlns="" w="9525">
+                <a14:hiddenLine xmlns="" xmlns:a14="http://schemas.microsoft.com/office/drawing/2010/main" w="9525">
                   <a:solidFill>
                     <a:srgbClr val="000000"/>
                   </a:solidFill>
@@ -4396,7 +4397,7 @@
           <a:p>
             <a:fld id="{48A87A34-81AB-432B-8DAE-1953F412C126}" type="datetimeFigureOut">
               <a:rPr lang="en-US" dirty="0"/>
-              <a:t>5/6/2018</a:t>
+              <a:t>5/8/2018</a:t>
             </a:fld>
             <a:endParaRPr lang="en-US" dirty="0"/>
           </a:p>
@@ -4658,7 +4659,7 @@
           <a:p>
             <a:fld id="{48A87A34-81AB-432B-8DAE-1953F412C126}" type="datetimeFigureOut">
               <a:rPr lang="en-US" dirty="0"/>
-              <a:t>5/6/2018</a:t>
+              <a:t>5/8/2018</a:t>
             </a:fld>
             <a:endParaRPr lang="en-US" dirty="0"/>
           </a:p>
@@ -4849,7 +4850,7 @@
           <a:p>
             <a:fld id="{48A87A34-81AB-432B-8DAE-1953F412C126}" type="datetimeFigureOut">
               <a:rPr lang="en-US" dirty="0"/>
-              <a:t>5/6/2018</a:t>
+              <a:t>5/8/2018</a:t>
             </a:fld>
             <a:endParaRPr lang="en-US" dirty="0"/>
           </a:p>
@@ -5107,7 +5108,7 @@
           <a:p>
             <a:fld id="{48A87A34-81AB-432B-8DAE-1953F412C126}" type="datetimeFigureOut">
               <a:rPr lang="en-US" dirty="0"/>
-              <a:t>5/6/2018</a:t>
+              <a:t>5/8/2018</a:t>
             </a:fld>
             <a:endParaRPr lang="en-US" dirty="0"/>
           </a:p>
@@ -5536,7 +5537,7 @@
           <a:p>
             <a:fld id="{48A87A34-81AB-432B-8DAE-1953F412C126}" type="datetimeFigureOut">
               <a:rPr lang="en-US" dirty="0"/>
-              <a:t>5/6/2018</a:t>
+              <a:t>5/8/2018</a:t>
             </a:fld>
             <a:endParaRPr lang="en-US" dirty="0"/>
           </a:p>
@@ -6077,7 +6078,7 @@
           <a:p>
             <a:fld id="{48A87A34-81AB-432B-8DAE-1953F412C126}" type="datetimeFigureOut">
               <a:rPr lang="en-US" dirty="0"/>
-              <a:t>5/6/2018</a:t>
+              <a:t>5/8/2018</a:t>
             </a:fld>
             <a:endParaRPr lang="en-US" dirty="0"/>
           </a:p>
@@ -6792,7 +6793,7 @@
           <a:p>
             <a:fld id="{48A87A34-81AB-432B-8DAE-1953F412C126}" type="datetimeFigureOut">
               <a:rPr lang="en-US" dirty="0"/>
-              <a:t>5/6/2018</a:t>
+              <a:t>5/8/2018</a:t>
             </a:fld>
             <a:endParaRPr lang="en-US" dirty="0"/>
           </a:p>
@@ -6957,7 +6958,7 @@
           <a:p>
             <a:fld id="{48A87A34-81AB-432B-8DAE-1953F412C126}" type="datetimeFigureOut">
               <a:rPr lang="en-US" dirty="0"/>
-              <a:t>5/6/2018</a:t>
+              <a:t>5/8/2018</a:t>
             </a:fld>
             <a:endParaRPr lang="en-US" dirty="0"/>
           </a:p>
@@ -7132,7 +7133,7 @@
           <a:p>
             <a:fld id="{48A87A34-81AB-432B-8DAE-1953F412C126}" type="datetimeFigureOut">
               <a:rPr lang="en-US" dirty="0"/>
-              <a:t>5/6/2018</a:t>
+              <a:t>5/8/2018</a:t>
             </a:fld>
             <a:endParaRPr lang="en-US" dirty="0"/>
           </a:p>
@@ -7297,7 +7298,7 @@
           <a:p>
             <a:fld id="{48A87A34-81AB-432B-8DAE-1953F412C126}" type="datetimeFigureOut">
               <a:rPr lang="en-US" dirty="0"/>
-              <a:t>5/6/2018</a:t>
+              <a:t>5/8/2018</a:t>
             </a:fld>
             <a:endParaRPr lang="en-US" dirty="0"/>
           </a:p>
@@ -7542,7 +7543,7 @@
           <a:p>
             <a:fld id="{48A87A34-81AB-432B-8DAE-1953F412C126}" type="datetimeFigureOut">
               <a:rPr lang="en-US" dirty="0"/>
-              <a:t>5/6/2018</a:t>
+              <a:t>5/8/2018</a:t>
             </a:fld>
             <a:endParaRPr lang="en-US" dirty="0"/>
           </a:p>
@@ -7769,7 +7770,7 @@
           <a:p>
             <a:fld id="{48A87A34-81AB-432B-8DAE-1953F412C126}" type="datetimeFigureOut">
               <a:rPr lang="en-US" dirty="0"/>
-              <a:t>5/6/2018</a:t>
+              <a:t>5/8/2018</a:t>
             </a:fld>
             <a:endParaRPr lang="en-US" dirty="0"/>
           </a:p>
@@ -8145,7 +8146,7 @@
           <a:p>
             <a:fld id="{48A87A34-81AB-432B-8DAE-1953F412C126}" type="datetimeFigureOut">
               <a:rPr lang="en-US" dirty="0"/>
-              <a:t>5/6/2018</a:t>
+              <a:t>5/8/2018</a:t>
             </a:fld>
             <a:endParaRPr lang="en-US" dirty="0"/>
           </a:p>
@@ -8258,7 +8259,7 @@
           <a:p>
             <a:fld id="{48A87A34-81AB-432B-8DAE-1953F412C126}" type="datetimeFigureOut">
               <a:rPr lang="en-US" dirty="0"/>
-              <a:t>5/6/2018</a:t>
+              <a:t>5/8/2018</a:t>
             </a:fld>
             <a:endParaRPr lang="en-US" dirty="0"/>
           </a:p>
@@ -8348,7 +8349,7 @@
           <a:p>
             <a:fld id="{48A87A34-81AB-432B-8DAE-1953F412C126}" type="datetimeFigureOut">
               <a:rPr lang="en-US" dirty="0"/>
-              <a:t>5/6/2018</a:t>
+              <a:t>5/8/2018</a:t>
             </a:fld>
             <a:endParaRPr lang="en-US" dirty="0"/>
           </a:p>
@@ -8592,7 +8593,7 @@
           <a:p>
             <a:fld id="{48A87A34-81AB-432B-8DAE-1953F412C126}" type="datetimeFigureOut">
               <a:rPr lang="en-US" dirty="0"/>
-              <a:t>5/6/2018</a:t>
+              <a:t>5/8/2018</a:t>
             </a:fld>
             <a:endParaRPr lang="en-US" dirty="0"/>
           </a:p>
@@ -8867,7 +8868,7 @@
           <a:p>
             <a:fld id="{48A87A34-81AB-432B-8DAE-1953F412C126}" type="datetimeFigureOut">
               <a:rPr lang="en-US" dirty="0"/>
-              <a:t>5/6/2018</a:t>
+              <a:t>5/8/2018</a:t>
             </a:fld>
             <a:endParaRPr lang="en-US" dirty="0"/>
           </a:p>
@@ -8978,7 +8979,7 @@
           <a:noFill/>
           <a:extLst>
             <a:ext uri="{909E8E84-426E-40dd-AFC4-6F175D3DCCD1}">
-              <a14:hiddenFill xmlns:a14="http://schemas.microsoft.com/office/drawing/2010/main" xmlns="">
+              <a14:hiddenFill xmlns="" xmlns:a14="http://schemas.microsoft.com/office/drawing/2010/main">
                 <a:solidFill>
                   <a:srgbClr val="FFFFFF"/>
                 </a:solidFill>
@@ -9052,7 +9053,7 @@
               </a:ln>
               <a:extLst>
                 <a:ext uri="{91240B29-F687-4f45-9708-019B960494DF}">
-                  <a14:hiddenLine xmlns:a14="http://schemas.microsoft.com/office/drawing/2010/main" xmlns="" w="9525">
+                  <a14:hiddenLine xmlns="" xmlns:a14="http://schemas.microsoft.com/office/drawing/2010/main" w="9525">
                     <a:solidFill>
                       <a:srgbClr val="000000"/>
                     </a:solidFill>
@@ -9142,7 +9143,7 @@
               </a:ln>
               <a:extLst>
                 <a:ext uri="{91240B29-F687-4f45-9708-019B960494DF}">
-                  <a14:hiddenLine xmlns:a14="http://schemas.microsoft.com/office/drawing/2010/main" xmlns="" w="9525">
+                  <a14:hiddenLine xmlns="" xmlns:a14="http://schemas.microsoft.com/office/drawing/2010/main" w="9525">
                     <a:solidFill>
                       <a:srgbClr val="000000"/>
                     </a:solidFill>
@@ -9232,7 +9233,7 @@
               </a:ln>
               <a:extLst>
                 <a:ext uri="{91240B29-F687-4f45-9708-019B960494DF}">
-                  <a14:hiddenLine xmlns:a14="http://schemas.microsoft.com/office/drawing/2010/main" xmlns="" w="9525">
+                  <a14:hiddenLine xmlns="" xmlns:a14="http://schemas.microsoft.com/office/drawing/2010/main" w="9525">
                     <a:solidFill>
                       <a:srgbClr val="000000"/>
                     </a:solidFill>
@@ -9294,7 +9295,7 @@
               </a:ln>
               <a:extLst>
                 <a:ext uri="{91240B29-F687-4f45-9708-019B960494DF}">
-                  <a14:hiddenLine xmlns:a14="http://schemas.microsoft.com/office/drawing/2010/main" xmlns="" w="9525">
+                  <a14:hiddenLine xmlns="" xmlns:a14="http://schemas.microsoft.com/office/drawing/2010/main" w="9525">
                     <a:solidFill>
                       <a:srgbClr val="000000"/>
                     </a:solidFill>
@@ -9384,7 +9385,7 @@
               </a:ln>
               <a:extLst>
                 <a:ext uri="{91240B29-F687-4f45-9708-019B960494DF}">
-                  <a14:hiddenLine xmlns:a14="http://schemas.microsoft.com/office/drawing/2010/main" xmlns="" w="9525">
+                  <a14:hiddenLine xmlns="" xmlns:a14="http://schemas.microsoft.com/office/drawing/2010/main" w="9525">
                     <a:solidFill>
                       <a:srgbClr val="000000"/>
                     </a:solidFill>
@@ -9446,7 +9447,7 @@
               </a:ln>
               <a:extLst>
                 <a:ext uri="{91240B29-F687-4f45-9708-019B960494DF}">
-                  <a14:hiddenLine xmlns:a14="http://schemas.microsoft.com/office/drawing/2010/main" xmlns="" w="9525">
+                  <a14:hiddenLine xmlns="" xmlns:a14="http://schemas.microsoft.com/office/drawing/2010/main" w="9525">
                     <a:solidFill>
                       <a:srgbClr val="000000"/>
                     </a:solidFill>
@@ -9508,7 +9509,7 @@
               </a:ln>
               <a:extLst>
                 <a:ext uri="{91240B29-F687-4f45-9708-019B960494DF}">
-                  <a14:hiddenLine xmlns:a14="http://schemas.microsoft.com/office/drawing/2010/main" xmlns="" w="9525">
+                  <a14:hiddenLine xmlns="" xmlns:a14="http://schemas.microsoft.com/office/drawing/2010/main" w="9525">
                     <a:solidFill>
                       <a:srgbClr val="000000"/>
                     </a:solidFill>
@@ -9598,7 +9599,7 @@
               </a:ln>
               <a:extLst>
                 <a:ext uri="{91240B29-F687-4f45-9708-019B960494DF}">
-                  <a14:hiddenLine xmlns:a14="http://schemas.microsoft.com/office/drawing/2010/main" xmlns="" w="9525">
+                  <a14:hiddenLine xmlns="" xmlns:a14="http://schemas.microsoft.com/office/drawing/2010/main" w="9525">
                     <a:solidFill>
                       <a:srgbClr val="000000"/>
                     </a:solidFill>
@@ -9688,7 +9689,7 @@
               </a:ln>
               <a:extLst>
                 <a:ext uri="{91240B29-F687-4f45-9708-019B960494DF}">
-                  <a14:hiddenLine xmlns:a14="http://schemas.microsoft.com/office/drawing/2010/main" xmlns="" w="9525">
+                  <a14:hiddenLine xmlns="" xmlns:a14="http://schemas.microsoft.com/office/drawing/2010/main" w="9525">
                     <a:solidFill>
                       <a:srgbClr val="000000"/>
                     </a:solidFill>
@@ -9750,7 +9751,7 @@
               </a:ln>
               <a:extLst>
                 <a:ext uri="{91240B29-F687-4f45-9708-019B960494DF}">
-                  <a14:hiddenLine xmlns:a14="http://schemas.microsoft.com/office/drawing/2010/main" xmlns="" w="9525">
+                  <a14:hiddenLine xmlns="" xmlns:a14="http://schemas.microsoft.com/office/drawing/2010/main" w="9525">
                     <a:solidFill>
                       <a:srgbClr val="000000"/>
                     </a:solidFill>
@@ -9860,7 +9861,7 @@
               </a:ln>
               <a:extLst>
                 <a:ext uri="{91240B29-F687-4f45-9708-019B960494DF}">
-                  <a14:hiddenLine xmlns:a14="http://schemas.microsoft.com/office/drawing/2010/main" xmlns="" w="9525">
+                  <a14:hiddenLine xmlns="" xmlns:a14="http://schemas.microsoft.com/office/drawing/2010/main" w="9525">
                     <a:solidFill>
                       <a:srgbClr val="000000"/>
                     </a:solidFill>
@@ -9944,7 +9945,7 @@
               </a:ln>
               <a:extLst>
                 <a:ext uri="{91240B29-F687-4f45-9708-019B960494DF}">
-                  <a14:hiddenLine xmlns:a14="http://schemas.microsoft.com/office/drawing/2010/main" xmlns="" w="9525">
+                  <a14:hiddenLine xmlns="" xmlns:a14="http://schemas.microsoft.com/office/drawing/2010/main" w="9525">
                     <a:solidFill>
                       <a:srgbClr val="000000"/>
                     </a:solidFill>
@@ -10006,7 +10007,7 @@
               </a:ln>
               <a:extLst>
                 <a:ext uri="{91240B29-F687-4f45-9708-019B960494DF}">
-                  <a14:hiddenLine xmlns:a14="http://schemas.microsoft.com/office/drawing/2010/main" xmlns="" w="9525">
+                  <a14:hiddenLine xmlns="" xmlns:a14="http://schemas.microsoft.com/office/drawing/2010/main" w="9525">
                     <a:solidFill>
                       <a:srgbClr val="000000"/>
                     </a:solidFill>
@@ -10068,7 +10069,7 @@
               </a:ln>
               <a:extLst>
                 <a:ext uri="{91240B29-F687-4f45-9708-019B960494DF}">
-                  <a14:hiddenLine xmlns:a14="http://schemas.microsoft.com/office/drawing/2010/main" xmlns="" w="9525">
+                  <a14:hiddenLine xmlns="" xmlns:a14="http://schemas.microsoft.com/office/drawing/2010/main" w="9525">
                     <a:solidFill>
                       <a:srgbClr val="000000"/>
                     </a:solidFill>
@@ -10158,7 +10159,7 @@
               </a:ln>
               <a:extLst>
                 <a:ext uri="{91240B29-F687-4f45-9708-019B960494DF}">
-                  <a14:hiddenLine xmlns:a14="http://schemas.microsoft.com/office/drawing/2010/main" xmlns="" w="9525">
+                  <a14:hiddenLine xmlns="" xmlns:a14="http://schemas.microsoft.com/office/drawing/2010/main" w="9525">
                     <a:solidFill>
                       <a:srgbClr val="000000"/>
                     </a:solidFill>
@@ -10192,7 +10193,7 @@
               </a:ln>
               <a:extLst>
                 <a:ext uri="{91240B29-F687-4f45-9708-019B960494DF}">
-                  <a14:hiddenLine xmlns:a14="http://schemas.microsoft.com/office/drawing/2010/main" xmlns="" w="9525">
+                  <a14:hiddenLine xmlns="" xmlns:a14="http://schemas.microsoft.com/office/drawing/2010/main" w="9525">
                     <a:solidFill>
                       <a:srgbClr val="000000"/>
                     </a:solidFill>
@@ -10257,7 +10258,7 @@
               </a:ln>
               <a:extLst>
                 <a:ext uri="{91240B29-F687-4f45-9708-019B960494DF}">
-                  <a14:hiddenLine xmlns:a14="http://schemas.microsoft.com/office/drawing/2010/main" xmlns="" w="9525">
+                  <a14:hiddenLine xmlns="" xmlns:a14="http://schemas.microsoft.com/office/drawing/2010/main" w="9525">
                     <a:solidFill>
                       <a:srgbClr val="000000"/>
                     </a:solidFill>
@@ -10347,7 +10348,7 @@
               </a:ln>
               <a:extLst>
                 <a:ext uri="{91240B29-F687-4f45-9708-019B960494DF}">
-                  <a14:hiddenLine xmlns:a14="http://schemas.microsoft.com/office/drawing/2010/main" xmlns="" w="9525">
+                  <a14:hiddenLine xmlns="" xmlns:a14="http://schemas.microsoft.com/office/drawing/2010/main" w="9525">
                     <a:solidFill>
                       <a:srgbClr val="000000"/>
                     </a:solidFill>
@@ -10409,7 +10410,7 @@
               </a:ln>
               <a:extLst>
                 <a:ext uri="{91240B29-F687-4f45-9708-019B960494DF}">
-                  <a14:hiddenLine xmlns:a14="http://schemas.microsoft.com/office/drawing/2010/main" xmlns="" w="9525">
+                  <a14:hiddenLine xmlns="" xmlns:a14="http://schemas.microsoft.com/office/drawing/2010/main" w="9525">
                     <a:solidFill>
                       <a:srgbClr val="000000"/>
                     </a:solidFill>
@@ -10499,7 +10500,7 @@
               </a:ln>
               <a:extLst>
                 <a:ext uri="{91240B29-F687-4f45-9708-019B960494DF}">
-                  <a14:hiddenLine xmlns:a14="http://schemas.microsoft.com/office/drawing/2010/main" xmlns="" w="9525">
+                  <a14:hiddenLine xmlns="" xmlns:a14="http://schemas.microsoft.com/office/drawing/2010/main" w="9525">
                     <a:solidFill>
                       <a:srgbClr val="000000"/>
                     </a:solidFill>
@@ -10564,7 +10565,7 @@
               </a:ln>
               <a:extLst>
                 <a:ext uri="{91240B29-F687-4f45-9708-019B960494DF}">
-                  <a14:hiddenLine xmlns:a14="http://schemas.microsoft.com/office/drawing/2010/main" xmlns="" w="9525">
+                  <a14:hiddenLine xmlns="" xmlns:a14="http://schemas.microsoft.com/office/drawing/2010/main" w="9525">
                     <a:solidFill>
                       <a:srgbClr val="000000"/>
                     </a:solidFill>
@@ -10626,7 +10627,7 @@
               </a:ln>
               <a:extLst>
                 <a:ext uri="{91240B29-F687-4f45-9708-019B960494DF}">
-                  <a14:hiddenLine xmlns:a14="http://schemas.microsoft.com/office/drawing/2010/main" xmlns="" w="9525">
+                  <a14:hiddenLine xmlns="" xmlns:a14="http://schemas.microsoft.com/office/drawing/2010/main" w="9525">
                     <a:solidFill>
                       <a:srgbClr val="000000"/>
                     </a:solidFill>
@@ -10716,7 +10717,7 @@
               </a:ln>
               <a:extLst>
                 <a:ext uri="{91240B29-F687-4f45-9708-019B960494DF}">
-                  <a14:hiddenLine xmlns:a14="http://schemas.microsoft.com/office/drawing/2010/main" xmlns="" w="9525">
+                  <a14:hiddenLine xmlns="" xmlns:a14="http://schemas.microsoft.com/office/drawing/2010/main" w="9525">
                     <a:solidFill>
                       <a:srgbClr val="000000"/>
                     </a:solidFill>
@@ -10806,7 +10807,7 @@
               </a:ln>
               <a:extLst>
                 <a:ext uri="{91240B29-F687-4f45-9708-019B960494DF}">
-                  <a14:hiddenLine xmlns:a14="http://schemas.microsoft.com/office/drawing/2010/main" xmlns="" w="9525">
+                  <a14:hiddenLine xmlns="" xmlns:a14="http://schemas.microsoft.com/office/drawing/2010/main" w="9525">
                     <a:solidFill>
                       <a:srgbClr val="000000"/>
                     </a:solidFill>
@@ -10871,7 +10872,7 @@
               </a:ln>
               <a:extLst>
                 <a:ext uri="{91240B29-F687-4f45-9708-019B960494DF}">
-                  <a14:hiddenLine xmlns:a14="http://schemas.microsoft.com/office/drawing/2010/main" xmlns="" w="9525">
+                  <a14:hiddenLine xmlns="" xmlns:a14="http://schemas.microsoft.com/office/drawing/2010/main" w="9525">
                     <a:solidFill>
                       <a:srgbClr val="000000"/>
                     </a:solidFill>
@@ -10991,7 +10992,7 @@
               </a:ln>
               <a:extLst>
                 <a:ext uri="{91240B29-F687-4f45-9708-019B960494DF}">
-                  <a14:hiddenLine xmlns:a14="http://schemas.microsoft.com/office/drawing/2010/main" xmlns="" w="9525">
+                  <a14:hiddenLine xmlns="" xmlns:a14="http://schemas.microsoft.com/office/drawing/2010/main" w="9525">
                     <a:solidFill>
                       <a:srgbClr val="000000"/>
                     </a:solidFill>
@@ -11089,7 +11090,7 @@
               </a:ln>
               <a:extLst>
                 <a:ext uri="{91240B29-F687-4f45-9708-019B960494DF}">
-                  <a14:hiddenLine xmlns:a14="http://schemas.microsoft.com/office/drawing/2010/main" xmlns="" w="9525">
+                  <a14:hiddenLine xmlns="" xmlns:a14="http://schemas.microsoft.com/office/drawing/2010/main" w="9525">
                     <a:solidFill>
                       <a:srgbClr val="000000"/>
                     </a:solidFill>
@@ -11204,7 +11205,7 @@
               </a:ln>
               <a:extLst>
                 <a:ext uri="{91240B29-F687-4f45-9708-019B960494DF}">
-                  <a14:hiddenLine xmlns:a14="http://schemas.microsoft.com/office/drawing/2010/main" xmlns="" w="9525">
+                  <a14:hiddenLine xmlns="" xmlns:a14="http://schemas.microsoft.com/office/drawing/2010/main" w="9525">
                     <a:solidFill>
                       <a:srgbClr val="000000"/>
                     </a:solidFill>
@@ -11294,7 +11295,7 @@
               </a:ln>
               <a:extLst>
                 <a:ext uri="{91240B29-F687-4f45-9708-019B960494DF}">
-                  <a14:hiddenLine xmlns:a14="http://schemas.microsoft.com/office/drawing/2010/main" xmlns="" w="9525">
+                  <a14:hiddenLine xmlns="" xmlns:a14="http://schemas.microsoft.com/office/drawing/2010/main" w="9525">
                     <a:solidFill>
                       <a:srgbClr val="000000"/>
                     </a:solidFill>
@@ -11359,7 +11360,7 @@
               </a:ln>
               <a:extLst>
                 <a:ext uri="{91240B29-F687-4f45-9708-019B960494DF}">
-                  <a14:hiddenLine xmlns:a14="http://schemas.microsoft.com/office/drawing/2010/main" xmlns="" w="9525">
+                  <a14:hiddenLine xmlns="" xmlns:a14="http://schemas.microsoft.com/office/drawing/2010/main" w="9525">
                     <a:solidFill>
                       <a:srgbClr val="000000"/>
                     </a:solidFill>
@@ -11449,7 +11450,7 @@
               </a:ln>
               <a:extLst>
                 <a:ext uri="{91240B29-F687-4f45-9708-019B960494DF}">
-                  <a14:hiddenLine xmlns:a14="http://schemas.microsoft.com/office/drawing/2010/main" xmlns="" w="9525">
+                  <a14:hiddenLine xmlns="" xmlns:a14="http://schemas.microsoft.com/office/drawing/2010/main" w="9525">
                     <a:solidFill>
                       <a:srgbClr val="000000"/>
                     </a:solidFill>
@@ -11517,7 +11518,7 @@
               </a:ln>
               <a:extLst>
                 <a:ext uri="{91240B29-F687-4f45-9708-019B960494DF}">
-                  <a14:hiddenLine xmlns:a14="http://schemas.microsoft.com/office/drawing/2010/main" xmlns="" w="9525">
+                  <a14:hiddenLine xmlns="" xmlns:a14="http://schemas.microsoft.com/office/drawing/2010/main" w="9525">
                     <a:solidFill>
                       <a:srgbClr val="000000"/>
                     </a:solidFill>
@@ -11607,7 +11608,7 @@
               </a:ln>
               <a:extLst>
                 <a:ext uri="{91240B29-F687-4f45-9708-019B960494DF}">
-                  <a14:hiddenLine xmlns:a14="http://schemas.microsoft.com/office/drawing/2010/main" xmlns="" w="9525">
+                  <a14:hiddenLine xmlns="" xmlns:a14="http://schemas.microsoft.com/office/drawing/2010/main" w="9525">
                     <a:solidFill>
                       <a:srgbClr val="000000"/>
                     </a:solidFill>
@@ -11675,7 +11676,7 @@
               </a:ln>
               <a:extLst>
                 <a:ext uri="{91240B29-F687-4f45-9708-019B960494DF}">
-                  <a14:hiddenLine xmlns:a14="http://schemas.microsoft.com/office/drawing/2010/main" xmlns="" w="9525">
+                  <a14:hiddenLine xmlns="" xmlns:a14="http://schemas.microsoft.com/office/drawing/2010/main" w="9525">
                     <a:solidFill>
                       <a:srgbClr val="000000"/>
                     </a:solidFill>
@@ -11765,7 +11766,7 @@
               </a:ln>
               <a:extLst>
                 <a:ext uri="{91240B29-F687-4f45-9708-019B960494DF}">
-                  <a14:hiddenLine xmlns:a14="http://schemas.microsoft.com/office/drawing/2010/main" xmlns="" w="9525">
+                  <a14:hiddenLine xmlns="" xmlns:a14="http://schemas.microsoft.com/office/drawing/2010/main" w="9525">
                     <a:solidFill>
                       <a:srgbClr val="000000"/>
                     </a:solidFill>
@@ -11799,7 +11800,7 @@
               </a:ln>
               <a:extLst>
                 <a:ext uri="{91240B29-F687-4f45-9708-019B960494DF}">
-                  <a14:hiddenLine xmlns:a14="http://schemas.microsoft.com/office/drawing/2010/main" xmlns="" w="9525">
+                  <a14:hiddenLine xmlns="" xmlns:a14="http://schemas.microsoft.com/office/drawing/2010/main" w="9525">
                     <a:solidFill>
                       <a:srgbClr val="000000"/>
                     </a:solidFill>
@@ -11940,7 +11941,7 @@
             <a:fld id="{48A87A34-81AB-432B-8DAE-1953F412C126}" type="datetimeFigureOut">
               <a:rPr lang="en-US" dirty="0"/>
               <a:pPr/>
-              <a:t>5/6/2018</a:t>
+              <a:t>5/8/2018</a:t>
             </a:fld>
             <a:endParaRPr lang="en-US" dirty="0"/>
           </a:p>
@@ -12416,6 +12417,224 @@
     <p:extLst>
       <p:ext uri="{BB962C8B-B14F-4D97-AF65-F5344CB8AC3E}">
         <p14:creationId xmlns:p14="http://schemas.microsoft.com/office/powerpoint/2010/main" val="1396090109"/>
+      </p:ext>
+    </p:extLst>
+  </p:cSld>
+  <p:clrMapOvr>
+    <a:masterClrMapping/>
+  </p:clrMapOvr>
+</p:sld>
+</file>
+
+<file path=ppt/slides/slide10.xml><?xml version="1.0" encoding="utf-8"?>
+<p:sld xmlns:a="http://schemas.openxmlformats.org/drawingml/2006/main" xmlns:r="http://schemas.openxmlformats.org/officeDocument/2006/relationships" xmlns:p="http://schemas.openxmlformats.org/presentationml/2006/main">
+  <p:cSld>
+    <p:spTree>
+      <p:nvGrpSpPr>
+        <p:cNvPr id="1" name=""/>
+        <p:cNvGrpSpPr/>
+        <p:nvPr/>
+      </p:nvGrpSpPr>
+      <p:grpSpPr>
+        <a:xfrm>
+          <a:off x="0" y="0"/>
+          <a:ext cx="0" cy="0"/>
+          <a:chOff x="0" y="0"/>
+          <a:chExt cx="0" cy="0"/>
+        </a:xfrm>
+      </p:grpSpPr>
+      <p:sp>
+        <p:nvSpPr>
+          <p:cNvPr id="2" name="Title 1">
+            <a:extLst>
+              <a:ext uri="{FF2B5EF4-FFF2-40B4-BE49-F238E27FC236}">
+                <a16:creationId xmlns:a16="http://schemas.microsoft.com/office/drawing/2014/main" id="{EFDA2864-D321-4CCA-BBA5-02919A3027CE}"/>
+              </a:ext>
+            </a:extLst>
+          </p:cNvPr>
+          <p:cNvSpPr>
+            <a:spLocks noGrp="1"/>
+          </p:cNvSpPr>
+          <p:nvPr>
+            <p:ph type="title"/>
+          </p:nvPr>
+        </p:nvSpPr>
+        <p:spPr/>
+        <p:txBody>
+          <a:bodyPr/>
+          <a:lstStyle/>
+          <a:p>
+            <a:r>
+              <a:rPr lang="en-US" dirty="0"/>
+              <a:t>References</a:t>
+            </a:r>
+          </a:p>
+        </p:txBody>
+      </p:sp>
+      <p:sp>
+        <p:nvSpPr>
+          <p:cNvPr id="3" name="Content Placeholder 2">
+            <a:extLst>
+              <a:ext uri="{FF2B5EF4-FFF2-40B4-BE49-F238E27FC236}">
+                <a16:creationId xmlns:a16="http://schemas.microsoft.com/office/drawing/2014/main" id="{A1B575FB-139F-4CA6-9C9A-3141B68262E9}"/>
+              </a:ext>
+            </a:extLst>
+          </p:cNvPr>
+          <p:cNvSpPr>
+            <a:spLocks noGrp="1"/>
+          </p:cNvSpPr>
+          <p:nvPr>
+            <p:ph idx="1"/>
+          </p:nvPr>
+        </p:nvSpPr>
+        <p:spPr/>
+        <p:txBody>
+          <a:bodyPr>
+            <a:normAutofit fontScale="70000" lnSpcReduction="20000"/>
+          </a:bodyPr>
+          <a:lstStyle/>
+          <a:p>
+            <a:r>
+              <a:rPr lang="en-US" dirty="0"/>
+              <a:t>[1] Kittler, Josef and </a:t>
+            </a:r>
+            <a:r>
+              <a:rPr lang="en-US" dirty="0" err="1"/>
+              <a:t>Hatef</a:t>
+            </a:r>
+            <a:r>
+              <a:rPr lang="en-US" dirty="0"/>
+              <a:t>, Mohamad and </a:t>
+            </a:r>
+            <a:r>
+              <a:rPr lang="en-US" dirty="0" err="1"/>
+              <a:t>Duin</a:t>
+            </a:r>
+            <a:r>
+              <a:rPr lang="en-US" dirty="0"/>
+              <a:t>, Robert P.W., and </a:t>
+            </a:r>
+            <a:r>
+              <a:rPr lang="en-US" dirty="0" err="1"/>
+              <a:t>Matas</a:t>
+            </a:r>
+            <a:r>
+              <a:rPr lang="en-US" dirty="0"/>
+              <a:t>, Jiri, “On Combining Classifiers”, </a:t>
+            </a:r>
+            <a:r>
+              <a:rPr lang="en-US" i="1" dirty="0"/>
+              <a:t>IEEE Transactions on Pattern Analysis and Machine Intelligence</a:t>
+            </a:r>
+            <a:r>
+              <a:rPr lang="en-US" dirty="0"/>
+              <a:t>, vol 20, no. 3, March 1998. [Online]. </a:t>
+            </a:r>
+          </a:p>
+          <a:p>
+            <a:r>
+              <a:rPr lang="en-US" dirty="0"/>
+              <a:t>[2] Jain, Anil K. and Ross, Arun and Prabhakar, Salil, “An Introduction to Biometric Recognition”. </a:t>
+            </a:r>
+            <a:r>
+              <a:rPr lang="en-US" i="1" dirty="0"/>
+              <a:t>IEEE Transactions on Circuits and Systems For Video Technology</a:t>
+            </a:r>
+            <a:r>
+              <a:rPr lang="en-US" dirty="0"/>
+              <a:t>, vol 14, no. 1, January 2004. [Online].</a:t>
+            </a:r>
+          </a:p>
+          <a:p>
+            <a:r>
+              <a:rPr lang="en-US" dirty="0"/>
+              <a:t>[3] </a:t>
+            </a:r>
+            <a:r>
+              <a:rPr lang="en-US" dirty="0" err="1"/>
+              <a:t>Kuncheva</a:t>
+            </a:r>
+            <a:r>
+              <a:rPr lang="en-US" dirty="0"/>
+              <a:t>, Ludmila I., “A Theoretical Study on Six Classifier Fusion Strategies”. </a:t>
+            </a:r>
+            <a:r>
+              <a:rPr lang="en-US" i="1" dirty="0"/>
+              <a:t>IEEE Transactions on Pattern Analysis and Machine Intelligence</a:t>
+            </a:r>
+            <a:r>
+              <a:rPr lang="en-US" dirty="0"/>
+              <a:t>, vol 24, no. 2, February 2002. [Online].</a:t>
+            </a:r>
+          </a:p>
+          <a:p>
+            <a:r>
+              <a:rPr lang="en-US" dirty="0"/>
+              <a:t>[4] Cano, Albert, “An ensemble approach to multi-view multi-instance learning”. </a:t>
+            </a:r>
+            <a:r>
+              <a:rPr lang="en-US" i="1" dirty="0"/>
+              <a:t>Knowledge-Based Systems</a:t>
+            </a:r>
+            <a:r>
+              <a:rPr lang="en-US" dirty="0"/>
+              <a:t>, vol 136, January 2017. [Online]. Available: </a:t>
+            </a:r>
+            <a:r>
+              <a:rPr lang="en-US" u="sng" dirty="0">
+                <a:hlinkClick r:id="rId2"/>
+              </a:rPr>
+              <a:t>http://www.elsevier.com/locate/knosys</a:t>
+            </a:r>
+            <a:r>
+              <a:rPr lang="en-US" dirty="0"/>
+              <a:t>.</a:t>
+            </a:r>
+          </a:p>
+          <a:p>
+            <a:r>
+              <a:rPr lang="en-US" dirty="0"/>
+              <a:t>[5] </a:t>
+            </a:r>
+            <a:r>
+              <a:rPr lang="en-US" dirty="0" err="1"/>
+              <a:t>Alpaydin</a:t>
+            </a:r>
+            <a:r>
+              <a:rPr lang="en-US" dirty="0"/>
+              <a:t>, </a:t>
+            </a:r>
+            <a:r>
+              <a:rPr lang="en-US" dirty="0" err="1"/>
+              <a:t>Ethem</a:t>
+            </a:r>
+            <a:r>
+              <a:rPr lang="en-US" dirty="0"/>
+              <a:t>. </a:t>
+            </a:r>
+            <a:r>
+              <a:rPr lang="en-US" i="1" dirty="0"/>
+              <a:t>Introduction to Machine Learning</a:t>
+            </a:r>
+            <a:r>
+              <a:rPr lang="en-US" dirty="0"/>
+              <a:t>. Cambridge, Massachusetts: The MIT Press, Third Edition, 2014, </a:t>
+            </a:r>
+            <a:r>
+              <a:rPr lang="en-US" u="sng" dirty="0"/>
+              <a:t>Sections 17.4-17.7. pp 492-502</a:t>
+            </a:r>
+            <a:endParaRPr lang="en-US" dirty="0"/>
+          </a:p>
+          <a:p>
+            <a:endParaRPr lang="en-US" dirty="0"/>
+          </a:p>
+        </p:txBody>
+      </p:sp>
+    </p:spTree>
+    <p:extLst>
+      <p:ext uri="{BB962C8B-B14F-4D97-AF65-F5344CB8AC3E}">
+        <p14:creationId xmlns:p14="http://schemas.microsoft.com/office/powerpoint/2010/main" val="4072860720"/>
       </p:ext>
     </p:extLst>
   </p:cSld>
